--- a/노트/11_2nd Project/0408.sample.pptx
+++ b/노트/11_2nd Project/0408.sample.pptx
@@ -254,7 +254,7 @@
           <a:p>
             <a:fld id="{684ABEAC-FD1E-446D-854E-09142DFB339C}" type="datetimeFigureOut">
               <a:rPr lang="ko-KR" altLang="en-US" smtClean="0"/>
-              <a:t>2020-04-08</a:t>
+              <a:t>2020-04-29</a:t>
             </a:fld>
             <a:endParaRPr lang="ko-KR" altLang="en-US"/>
           </a:p>
@@ -419,7 +419,7 @@
           <a:p>
             <a:fld id="{E299D967-67B2-4132-B52D-A253871A1F24}" type="datetimeFigureOut">
               <a:rPr lang="ko-KR" altLang="en-US" smtClean="0"/>
-              <a:t>2020-04-08</a:t>
+              <a:t>2020-04-29</a:t>
             </a:fld>
             <a:endParaRPr lang="ko-KR" altLang="en-US"/>
           </a:p>
@@ -1122,7 +1122,7 @@
           <a:p>
             <a:fld id="{20303F18-CB98-4E85-A37B-EF5A4E6C8DE7}" type="datetime1">
               <a:rPr lang="ko-KR" altLang="en-US" smtClean="0"/>
-              <a:t>2020-04-08</a:t>
+              <a:t>2020-04-29</a:t>
             </a:fld>
             <a:endParaRPr lang="ko-KR" altLang="en-US"/>
           </a:p>
@@ -1297,7 +1297,7 @@
           <a:p>
             <a:fld id="{CCA16C65-58A5-46D5-A762-12670B92641B}" type="datetime1">
               <a:rPr lang="ko-KR" altLang="en-US" smtClean="0"/>
-              <a:t>2020-04-08</a:t>
+              <a:t>2020-04-29</a:t>
             </a:fld>
             <a:endParaRPr lang="ko-KR" altLang="en-US"/>
           </a:p>
@@ -1477,7 +1477,7 @@
           <a:p>
             <a:fld id="{2D09A68A-AC6E-41FE-B28C-2BB812CC2E01}" type="datetime1">
               <a:rPr lang="ko-KR" altLang="en-US" smtClean="0"/>
-              <a:t>2020-04-08</a:t>
+              <a:t>2020-04-29</a:t>
             </a:fld>
             <a:endParaRPr lang="ko-KR" altLang="en-US"/>
           </a:p>
@@ -1647,7 +1647,7 @@
           <a:p>
             <a:fld id="{690B8B09-A0F3-4880-B090-7FDDEE5B5065}" type="datetime1">
               <a:rPr lang="ko-KR" altLang="en-US" smtClean="0"/>
-              <a:t>2020-04-08</a:t>
+              <a:t>2020-04-29</a:t>
             </a:fld>
             <a:endParaRPr lang="ko-KR" altLang="en-US"/>
           </a:p>
@@ -1893,7 +1893,7 @@
           <a:p>
             <a:fld id="{82F7D3F4-816B-4FA6-91FC-91836ECD0E53}" type="datetime1">
               <a:rPr lang="ko-KR" altLang="en-US" smtClean="0"/>
-              <a:t>2020-04-08</a:t>
+              <a:t>2020-04-29</a:t>
             </a:fld>
             <a:endParaRPr lang="ko-KR" altLang="en-US"/>
           </a:p>
@@ -2181,7 +2181,7 @@
           <a:p>
             <a:fld id="{2FB9FCFF-984A-4549-AB53-391F9EC1244A}" type="datetime1">
               <a:rPr lang="ko-KR" altLang="en-US" smtClean="0"/>
-              <a:t>2020-04-08</a:t>
+              <a:t>2020-04-29</a:t>
             </a:fld>
             <a:endParaRPr lang="ko-KR" altLang="en-US"/>
           </a:p>
@@ -2603,7 +2603,7 @@
           <a:p>
             <a:fld id="{94618DE4-C4FE-4171-90C7-38CF01638033}" type="datetime1">
               <a:rPr lang="ko-KR" altLang="en-US" smtClean="0"/>
-              <a:t>2020-04-08</a:t>
+              <a:t>2020-04-29</a:t>
             </a:fld>
             <a:endParaRPr lang="ko-KR" altLang="en-US"/>
           </a:p>
@@ -2721,7 +2721,7 @@
           <a:p>
             <a:fld id="{33587621-9D18-4C20-9B84-3E938621A025}" type="datetime1">
               <a:rPr lang="ko-KR" altLang="en-US" smtClean="0"/>
-              <a:t>2020-04-08</a:t>
+              <a:t>2020-04-29</a:t>
             </a:fld>
             <a:endParaRPr lang="ko-KR" altLang="en-US"/>
           </a:p>
@@ -3407,7 +3407,7 @@
           <a:p>
             <a:fld id="{B517649B-2577-404C-858E-51E9DEBB2548}" type="datetime1">
               <a:rPr lang="ko-KR" altLang="en-US" smtClean="0"/>
-              <a:t>2020-04-08</a:t>
+              <a:t>2020-04-29</a:t>
             </a:fld>
             <a:endParaRPr lang="ko-KR" altLang="en-US"/>
           </a:p>
@@ -3660,7 +3660,7 @@
           <a:p>
             <a:fld id="{8D84C674-EF46-4F27-9E3E-4F6A170B0DC6}" type="datetime1">
               <a:rPr lang="ko-KR" altLang="en-US" smtClean="0"/>
-              <a:t>2020-04-08</a:t>
+              <a:t>2020-04-29</a:t>
             </a:fld>
             <a:endParaRPr lang="ko-KR" altLang="en-US"/>
           </a:p>
@@ -3873,7 +3873,7 @@
           <a:p>
             <a:fld id="{B40F11ED-9D7B-4CCE-A57D-CC1D7760FB25}" type="datetime1">
               <a:rPr lang="ko-KR" altLang="en-US" smtClean="0"/>
-              <a:t>2020-04-08</a:t>
+              <a:t>2020-04-29</a:t>
             </a:fld>
             <a:endParaRPr lang="ko-KR" altLang="en-US"/>
           </a:p>
@@ -12882,11 +12882,6 @@
               </a:rPr>
               <a:t>순차 다이어그램</a:t>
             </a:r>
-            <a:endParaRPr lang="ko-KR" altLang="en-US" b="1" dirty="0">
-              <a:solidFill>
-                <a:srgbClr val="756B5F"/>
-              </a:solidFill>
-            </a:endParaRPr>
           </a:p>
         </p:txBody>
       </p:sp>
@@ -13768,7 +13763,6 @@
               <a:rPr lang="ko-KR" altLang="en-US" sz="1000" dirty="0"/>
               <a:t>회원정보입력</a:t>
             </a:r>
-            <a:endParaRPr lang="ko-KR" altLang="en-US" sz="1000" dirty="0"/>
           </a:p>
         </p:txBody>
       </p:sp>
@@ -13838,7 +13832,6 @@
               <a:rPr lang="ko-KR" altLang="en-US" sz="1000" dirty="0"/>
               <a:t>회원정보확인</a:t>
             </a:r>
-            <a:endParaRPr lang="ko-KR" altLang="en-US" sz="1000" dirty="0"/>
           </a:p>
         </p:txBody>
       </p:sp>
@@ -14015,7 +14008,6 @@
               <a:rPr lang="ko-KR" altLang="en-US" sz="1000" dirty="0"/>
               <a:t>로그인</a:t>
             </a:r>
-            <a:endParaRPr lang="ko-KR" altLang="en-US" sz="1000" dirty="0"/>
           </a:p>
         </p:txBody>
       </p:sp>
@@ -14043,17 +14035,12 @@
           <a:p>
             <a:r>
               <a:rPr lang="en-US" altLang="ko-KR" sz="1000" dirty="0"/>
-              <a:t>4</a:t>
-            </a:r>
-            <a:r>
-              <a:rPr lang="en-US" altLang="ko-KR" sz="1000" dirty="0"/>
-              <a:t>. </a:t>
+              <a:t>4. </a:t>
             </a:r>
             <a:r>
               <a:rPr lang="ko-KR" altLang="en-US" sz="1000" dirty="0"/>
               <a:t>회원정보확인승인</a:t>
             </a:r>
-            <a:endParaRPr lang="ko-KR" altLang="en-US" sz="1000" dirty="0"/>
           </a:p>
         </p:txBody>
       </p:sp>
@@ -14266,7 +14253,6 @@
               <a:rPr lang="ko-KR" altLang="en-US" sz="1000" dirty="0"/>
               <a:t>도서검색</a:t>
             </a:r>
-            <a:endParaRPr lang="ko-KR" altLang="en-US" sz="1000" dirty="0"/>
           </a:p>
         </p:txBody>
       </p:sp>
@@ -14298,11 +14284,7 @@
             </a:r>
             <a:r>
               <a:rPr lang="ko-KR" altLang="en-US" sz="1000" dirty="0"/>
-              <a:t>도서정보확</a:t>
-            </a:r>
-            <a:r>
-              <a:rPr lang="ko-KR" altLang="en-US" sz="1000" dirty="0"/>
-              <a:t>인</a:t>
+              <a:t>도서정보확인</a:t>
             </a:r>
           </a:p>
         </p:txBody>
@@ -14695,7 +14677,6 @@
               <a:rPr lang="ko-KR" altLang="en-US" sz="1000" dirty="0"/>
               <a:t>도서예약</a:t>
             </a:r>
-            <a:endParaRPr lang="ko-KR" altLang="en-US" sz="1000" dirty="0"/>
           </a:p>
         </p:txBody>
       </p:sp>
@@ -14729,7 +14710,6 @@
               <a:rPr lang="ko-KR" altLang="en-US" sz="1000" dirty="0"/>
               <a:t>도서예약확인</a:t>
             </a:r>
-            <a:endParaRPr lang="ko-KR" altLang="en-US" sz="1000" dirty="0"/>
           </a:p>
         </p:txBody>
       </p:sp>
@@ -14942,7 +14922,6 @@
               <a:rPr lang="ko-KR" altLang="en-US" sz="1000" dirty="0"/>
               <a:t>도서예약</a:t>
             </a:r>
-            <a:endParaRPr lang="ko-KR" altLang="en-US" sz="1000" dirty="0"/>
           </a:p>
         </p:txBody>
       </p:sp>
@@ -14976,7 +14955,6 @@
               <a:rPr lang="ko-KR" altLang="en-US" sz="1000" dirty="0"/>
               <a:t>도서예약확인</a:t>
             </a:r>
-            <a:endParaRPr lang="ko-KR" altLang="en-US" sz="1000" dirty="0"/>
           </a:p>
         </p:txBody>
       </p:sp>
@@ -15004,19 +14982,11 @@
           <a:p>
             <a:r>
               <a:rPr lang="en-US" altLang="ko-KR" sz="900" dirty="0"/>
-              <a:t>7</a:t>
-            </a:r>
-            <a:r>
-              <a:rPr lang="en-US" altLang="ko-KR" sz="900" dirty="0"/>
-              <a:t>. </a:t>
+              <a:t>7. </a:t>
             </a:r>
             <a:r>
               <a:rPr lang="ko-KR" altLang="en-US" sz="900" dirty="0"/>
-              <a:t>자리예</a:t>
-            </a:r>
-            <a:r>
-              <a:rPr lang="ko-KR" altLang="en-US" sz="900" dirty="0"/>
-              <a:t>약</a:t>
+              <a:t>자리예약</a:t>
             </a:r>
           </a:p>
         </p:txBody>
@@ -15049,17 +15019,8 @@
             </a:r>
             <a:r>
               <a:rPr lang="ko-KR" altLang="en-US" sz="900" dirty="0"/>
-              <a:t>자리예</a:t>
-            </a:r>
-            <a:r>
-              <a:rPr lang="ko-KR" altLang="en-US" sz="900" dirty="0"/>
-              <a:t>약</a:t>
-            </a:r>
-            <a:r>
-              <a:rPr lang="ko-KR" altLang="en-US" sz="900" dirty="0"/>
-              <a:t>확인</a:t>
-            </a:r>
-            <a:endParaRPr lang="ko-KR" altLang="en-US" sz="900" dirty="0"/>
+              <a:t>자리예약확인</a:t>
+            </a:r>
           </a:p>
         </p:txBody>
       </p:sp>
@@ -15300,7 +15261,6 @@
               <a:rPr lang="ko-KR" altLang="en-US" sz="1000" dirty="0"/>
               <a:t> 등 조회</a:t>
             </a:r>
-            <a:endParaRPr lang="ko-KR" altLang="en-US" sz="1000" dirty="0"/>
           </a:p>
         </p:txBody>
       </p:sp>
@@ -15360,15 +15320,7 @@
             </a:r>
             <a:r>
               <a:rPr lang="ko-KR" altLang="en-US" sz="1000" dirty="0"/>
-              <a:t> 등 </a:t>
-            </a:r>
-            <a:r>
-              <a:rPr lang="ko-KR" altLang="en-US" sz="1000" dirty="0"/>
-              <a:t>확</a:t>
-            </a:r>
-            <a:r>
-              <a:rPr lang="ko-KR" altLang="en-US" sz="1000" dirty="0"/>
-              <a:t>인</a:t>
+              <a:t> 등 확인</a:t>
             </a:r>
           </a:p>
         </p:txBody>
@@ -15622,7 +15574,6 @@
               <a:rPr lang="ko-KR" altLang="en-US" sz="1000" dirty="0"/>
               <a:t>삭제</a:t>
             </a:r>
-            <a:endParaRPr lang="ko-KR" altLang="en-US" sz="1000" dirty="0"/>
           </a:p>
         </p:txBody>
       </p:sp>
@@ -15656,7 +15607,6 @@
               <a:rPr lang="ko-KR" altLang="en-US" sz="1000" dirty="0"/>
               <a:t>게시판 확인</a:t>
             </a:r>
-            <a:endParaRPr lang="ko-KR" altLang="en-US" sz="1000" dirty="0"/>
           </a:p>
         </p:txBody>
       </p:sp>
@@ -15770,7 +15720,6 @@
               <a:rPr lang="ko-KR" altLang="en-US" sz="1000" dirty="0"/>
               <a:t>중복체크</a:t>
             </a:r>
-            <a:endParaRPr lang="ko-KR" altLang="en-US" sz="1000" dirty="0"/>
           </a:p>
         </p:txBody>
       </p:sp>
@@ -22706,7 +22655,7 @@
         </p:nvSpPr>
         <p:spPr>
           <a:xfrm>
-            <a:off x="323527" y="737409"/>
+            <a:off x="323527" y="548680"/>
             <a:ext cx="8428759" cy="1323439"/>
           </a:xfrm>
           <a:prstGeom prst="rect">
@@ -22790,7 +22739,7 @@
               <a:t>, </a:t>
             </a:r>
             <a:r>
-              <a:rPr lang="ko-KR" altLang="en-US" sz="2000" smtClean="0">
+              <a:rPr lang="ko-KR" altLang="en-US" sz="2000" dirty="0" smtClean="0">
                 <a:solidFill>
                   <a:srgbClr val="464646"/>
                 </a:solidFill>
